--- a/articles/powerautomate/power-automate-ppr/power-atuomate-ppr.pptx
+++ b/articles/powerautomate/power-automate-ppr/power-atuomate-ppr.pptx
@@ -104,6 +104,11 @@
       </a:defRPr>
     </a:lvl9pPr>
   </p:defaultTextStyle>
+  <p:extLst>
+    <p:ext uri="{EFAFB233-063F-42B5-8137-9DF3F51BA10A}">
+      <p15:sldGuideLst xmlns:p15="http://schemas.microsoft.com/office/powerpoint/2012/main"/>
+    </p:ext>
+  </p:extLst>
 </p:presentation>
 </file>
 
@@ -254,7 +259,7 @@
           <a:p>
             <a:fld id="{0DC9B580-519C-4FA1-A9AA-5850F9F16287}" type="datetimeFigureOut">
               <a:rPr kumimoji="1" lang="ja-JP" altLang="en-US" smtClean="0"/>
-              <a:t>2024/11/29</a:t>
+              <a:t>2024/12/23</a:t>
             </a:fld>
             <a:endParaRPr kumimoji="1" lang="ja-JP" altLang="en-US"/>
           </a:p>
@@ -484,7 +489,7 @@
           <a:p>
             <a:fld id="{0DC9B580-519C-4FA1-A9AA-5850F9F16287}" type="datetimeFigureOut">
               <a:rPr kumimoji="1" lang="ja-JP" altLang="en-US" smtClean="0"/>
-              <a:t>2024/11/29</a:t>
+              <a:t>2024/12/23</a:t>
             </a:fld>
             <a:endParaRPr kumimoji="1" lang="ja-JP" altLang="en-US"/>
           </a:p>
@@ -724,7 +729,7 @@
           <a:p>
             <a:fld id="{0DC9B580-519C-4FA1-A9AA-5850F9F16287}" type="datetimeFigureOut">
               <a:rPr kumimoji="1" lang="ja-JP" altLang="en-US" smtClean="0"/>
-              <a:t>2024/11/29</a:t>
+              <a:t>2024/12/23</a:t>
             </a:fld>
             <a:endParaRPr kumimoji="1" lang="ja-JP" altLang="en-US"/>
           </a:p>
@@ -954,7 +959,7 @@
           <a:p>
             <a:fld id="{0DC9B580-519C-4FA1-A9AA-5850F9F16287}" type="datetimeFigureOut">
               <a:rPr kumimoji="1" lang="ja-JP" altLang="en-US" smtClean="0"/>
-              <a:t>2024/11/29</a:t>
+              <a:t>2024/12/23</a:t>
             </a:fld>
             <a:endParaRPr kumimoji="1" lang="ja-JP" altLang="en-US"/>
           </a:p>
@@ -1229,7 +1234,7 @@
           <a:p>
             <a:fld id="{0DC9B580-519C-4FA1-A9AA-5850F9F16287}" type="datetimeFigureOut">
               <a:rPr kumimoji="1" lang="ja-JP" altLang="en-US" smtClean="0"/>
-              <a:t>2024/11/29</a:t>
+              <a:t>2024/12/23</a:t>
             </a:fld>
             <a:endParaRPr kumimoji="1" lang="ja-JP" altLang="en-US"/>
           </a:p>
@@ -1558,7 +1563,7 @@
           <a:p>
             <a:fld id="{0DC9B580-519C-4FA1-A9AA-5850F9F16287}" type="datetimeFigureOut">
               <a:rPr kumimoji="1" lang="ja-JP" altLang="en-US" smtClean="0"/>
-              <a:t>2024/11/29</a:t>
+              <a:t>2024/12/23</a:t>
             </a:fld>
             <a:endParaRPr kumimoji="1" lang="ja-JP" altLang="en-US"/>
           </a:p>
@@ -2034,7 +2039,7 @@
           <a:p>
             <a:fld id="{0DC9B580-519C-4FA1-A9AA-5850F9F16287}" type="datetimeFigureOut">
               <a:rPr kumimoji="1" lang="ja-JP" altLang="en-US" smtClean="0"/>
-              <a:t>2024/11/29</a:t>
+              <a:t>2024/12/23</a:t>
             </a:fld>
             <a:endParaRPr kumimoji="1" lang="ja-JP" altLang="en-US"/>
           </a:p>
@@ -2175,7 +2180,7 @@
           <a:p>
             <a:fld id="{0DC9B580-519C-4FA1-A9AA-5850F9F16287}" type="datetimeFigureOut">
               <a:rPr kumimoji="1" lang="ja-JP" altLang="en-US" smtClean="0"/>
-              <a:t>2024/11/29</a:t>
+              <a:t>2024/12/23</a:t>
             </a:fld>
             <a:endParaRPr kumimoji="1" lang="ja-JP" altLang="en-US"/>
           </a:p>
@@ -2288,7 +2293,7 @@
           <a:p>
             <a:fld id="{0DC9B580-519C-4FA1-A9AA-5850F9F16287}" type="datetimeFigureOut">
               <a:rPr kumimoji="1" lang="ja-JP" altLang="en-US" smtClean="0"/>
-              <a:t>2024/11/29</a:t>
+              <a:t>2024/12/23</a:t>
             </a:fld>
             <a:endParaRPr kumimoji="1" lang="ja-JP" altLang="en-US"/>
           </a:p>
@@ -2631,7 +2636,7 @@
           <a:p>
             <a:fld id="{0DC9B580-519C-4FA1-A9AA-5850F9F16287}" type="datetimeFigureOut">
               <a:rPr kumimoji="1" lang="ja-JP" altLang="en-US" smtClean="0"/>
-              <a:t>2024/11/29</a:t>
+              <a:t>2024/12/23</a:t>
             </a:fld>
             <a:endParaRPr kumimoji="1" lang="ja-JP" altLang="en-US"/>
           </a:p>
@@ -2919,7 +2924,7 @@
           <a:p>
             <a:fld id="{0DC9B580-519C-4FA1-A9AA-5850F9F16287}" type="datetimeFigureOut">
               <a:rPr kumimoji="1" lang="ja-JP" altLang="en-US" smtClean="0"/>
-              <a:t>2024/11/29</a:t>
+              <a:t>2024/12/23</a:t>
             </a:fld>
             <a:endParaRPr kumimoji="1" lang="ja-JP" altLang="en-US"/>
           </a:p>
@@ -3192,7 +3197,7 @@
           <a:p>
             <a:fld id="{0DC9B580-519C-4FA1-A9AA-5850F9F16287}" type="datetimeFigureOut">
               <a:rPr kumimoji="1" lang="ja-JP" altLang="en-US" smtClean="0"/>
-              <a:t>2024/11/29</a:t>
+              <a:t>2024/12/23</a:t>
             </a:fld>
             <a:endParaRPr kumimoji="1" lang="ja-JP" altLang="en-US"/>
           </a:p>
@@ -3623,8 +3628,8 @@
         </p:nvSpPr>
         <p:spPr>
           <a:xfrm>
-            <a:off x="1305724" y="5319414"/>
-            <a:ext cx="10674524" cy="817208"/>
+            <a:off x="1305724" y="5319415"/>
+            <a:ext cx="10674524" cy="826785"/>
           </a:xfrm>
           <a:prstGeom prst="rect">
             <a:avLst/>
@@ -3734,7 +3739,7 @@
         <p:spPr>
           <a:xfrm>
             <a:off x="1305723" y="3868786"/>
-            <a:ext cx="10690374" cy="999283"/>
+            <a:ext cx="10690374" cy="815323"/>
           </a:xfrm>
           <a:prstGeom prst="rect">
             <a:avLst/>
@@ -3953,8 +3958,8 @@
         </p:nvSpPr>
         <p:spPr>
           <a:xfrm>
-            <a:off x="224453" y="3483781"/>
-            <a:ext cx="1115407" cy="1384995"/>
+            <a:off x="224453" y="3473842"/>
+            <a:ext cx="1115407" cy="1200329"/>
           </a:xfrm>
           <a:prstGeom prst="rect">
             <a:avLst/>
@@ -4001,9 +4006,6 @@
             </a:r>
           </a:p>
           <a:p>
-            <a:endParaRPr kumimoji="1" lang="en-US" altLang="ja-JP" sz="1200" dirty="0"/>
-          </a:p>
-          <a:p>
             <a:endParaRPr kumimoji="1" lang="ja-JP" altLang="en-US" sz="1200" dirty="0"/>
           </a:p>
         </p:txBody>
@@ -4133,7 +4135,7 @@
         <p:spPr>
           <a:xfrm>
             <a:off x="1400160" y="3911980"/>
-            <a:ext cx="1741008" cy="830997"/>
+            <a:ext cx="1741008" cy="646331"/>
           </a:xfrm>
           <a:prstGeom prst="rect">
             <a:avLst/>
@@ -4162,9 +4164,6 @@
               <a:rPr lang="ja-JP" altLang="en-US" sz="1200" dirty="0"/>
               <a:t>ライセンス</a:t>
             </a:r>
-            <a:endParaRPr lang="en-US" altLang="ja-JP" sz="1200" dirty="0"/>
-          </a:p>
-          <a:p>
             <a:endParaRPr kumimoji="1" lang="en-US" altLang="ja-JP" sz="1200" dirty="0"/>
           </a:p>
           <a:p>
@@ -4623,7 +4622,7 @@
           <a:p>
             <a:r>
               <a:rPr lang="ja-JP" altLang="en-US" sz="1200" dirty="0"/>
-              <a:t>非ライセンスユーザー</a:t>
+              <a:t>テナントプール（非ライセンスユーザー）</a:t>
             </a:r>
             <a:endParaRPr kumimoji="1" lang="ja-JP" altLang="en-US" sz="1200" dirty="0"/>
           </a:p>
@@ -4805,7 +4804,7 @@
         </p:nvSpPr>
         <p:spPr>
           <a:xfrm>
-            <a:off x="302304" y="2945255"/>
+            <a:off x="204967" y="2934590"/>
             <a:ext cx="1100756" cy="276999"/>
           </a:xfrm>
           <a:prstGeom prst="rect">
@@ -4881,7 +4880,7 @@
         </p:nvSpPr>
         <p:spPr>
           <a:xfrm>
-            <a:off x="1666853" y="2947014"/>
+            <a:off x="1691277" y="2934590"/>
             <a:ext cx="1100756" cy="276999"/>
           </a:xfrm>
           <a:prstGeom prst="rect">
@@ -4957,7 +4956,7 @@
         </p:nvSpPr>
         <p:spPr>
           <a:xfrm>
-            <a:off x="7870557" y="2785460"/>
+            <a:off x="7857698" y="2934590"/>
             <a:ext cx="3265010" cy="276999"/>
           </a:xfrm>
           <a:prstGeom prst="rect">
@@ -5031,7 +5030,7 @@
         </p:nvSpPr>
         <p:spPr>
           <a:xfrm>
-            <a:off x="9807860" y="3137391"/>
+            <a:off x="9836869" y="3171527"/>
             <a:ext cx="1327707" cy="276999"/>
           </a:xfrm>
           <a:prstGeom prst="rect">
@@ -5166,8 +5165,8 @@
         </p:nvSpPr>
         <p:spPr>
           <a:xfrm>
-            <a:off x="3208885" y="2877141"/>
-            <a:ext cx="1945438" cy="461665"/>
+            <a:off x="3258771" y="2934590"/>
+            <a:ext cx="3044292" cy="461665"/>
           </a:xfrm>
           <a:prstGeom prst="rect">
             <a:avLst/>
@@ -5181,8 +5180,19 @@
           <a:lstStyle/>
           <a:p>
             <a:r>
+              <a:rPr lang="ja-JP" altLang="en-US" sz="1200" dirty="0"/>
+              <a:t>関連フローのライセンス</a:t>
+            </a:r>
+            <a:endParaRPr lang="en-US" altLang="ja-JP" sz="1200" dirty="0"/>
+          </a:p>
+          <a:p>
+            <a:r>
+              <a:rPr kumimoji="1" lang="en-US" altLang="ja-JP" sz="1200" dirty="0"/>
+              <a:t>※</a:t>
+            </a:r>
+            <a:r>
               <a:rPr kumimoji="1" lang="ja-JP" altLang="en-US" sz="1200" dirty="0"/>
-              <a:t>呼び出し元</a:t>
+              <a:t>子</a:t>
             </a:r>
             <a:r>
               <a:rPr kumimoji="1" lang="en-US" altLang="ja-JP" sz="1200" dirty="0"/>
@@ -5190,14 +5200,7 @@
             </a:r>
             <a:r>
               <a:rPr kumimoji="1" lang="ja-JP" altLang="en-US" sz="1200" dirty="0"/>
-              <a:t>先フローの</a:t>
-            </a:r>
-            <a:endParaRPr kumimoji="1" lang="en-US" altLang="ja-JP" sz="1200" dirty="0"/>
-          </a:p>
-          <a:p>
-            <a:r>
-              <a:rPr kumimoji="1" lang="ja-JP" altLang="en-US" sz="1200" dirty="0"/>
-              <a:t>ライセンス</a:t>
+              <a:t>孫フローや、関連付けされたフロー</a:t>
             </a:r>
           </a:p>
         </p:txBody>
@@ -5217,7 +5220,7 @@
         <p:spPr>
           <a:xfrm>
             <a:off x="3277441" y="4274864"/>
-            <a:ext cx="1735208" cy="461665"/>
+            <a:ext cx="1735208" cy="276999"/>
           </a:xfrm>
           <a:prstGeom prst="rect">
             <a:avLst/>
@@ -5243,9 +5246,6 @@
               <a:rPr lang="ja-JP" altLang="en-US" sz="1200" dirty="0"/>
               <a:t>ライセンス</a:t>
             </a:r>
-            <a:endParaRPr lang="en-US" altLang="ja-JP" sz="1200" dirty="0"/>
-          </a:p>
-          <a:p>
             <a:endParaRPr kumimoji="1" lang="ja-JP" altLang="en-US" sz="1200" dirty="0"/>
           </a:p>
         </p:txBody>
@@ -5310,7 +5310,7 @@
         <p:spPr>
           <a:xfrm>
             <a:off x="7021985" y="4268126"/>
-            <a:ext cx="2350615" cy="461665"/>
+            <a:ext cx="2350615" cy="276999"/>
           </a:xfrm>
           <a:prstGeom prst="rect">
             <a:avLst/>
@@ -5334,9 +5334,6 @@
             </a:r>
             <a:endParaRPr kumimoji="1" lang="ja-JP" altLang="en-US" sz="1200" dirty="0"/>
           </a:p>
-          <a:p>
-            <a:endParaRPr kumimoji="1" lang="ja-JP" altLang="en-US" sz="1200" dirty="0"/>
-          </a:p>
         </p:txBody>
       </p:sp>
       <p:sp>
@@ -5354,7 +5351,7 @@
         <p:spPr>
           <a:xfrm>
             <a:off x="9490203" y="4268125"/>
-            <a:ext cx="2350615" cy="461665"/>
+            <a:ext cx="2350615" cy="276999"/>
           </a:xfrm>
           <a:prstGeom prst="rect">
             <a:avLst/>
@@ -5374,22 +5371,7 @@
           <a:p>
             <a:r>
               <a:rPr lang="ja-JP" altLang="en-US" sz="1200" dirty="0"/>
-              <a:t>呼び出し元 </a:t>
-            </a:r>
-            <a:r>
-              <a:rPr lang="en-US" altLang="ja-JP" sz="1200" dirty="0"/>
-              <a:t>/ </a:t>
-            </a:r>
-            <a:r>
-              <a:rPr lang="ja-JP" altLang="en-US" sz="1200" dirty="0"/>
-              <a:t>先フローの</a:t>
-            </a:r>
-            <a:endParaRPr lang="en-US" altLang="ja-JP" sz="1200" dirty="0"/>
-          </a:p>
-          <a:p>
-            <a:r>
-              <a:rPr lang="ja-JP" altLang="en-US" sz="1200" dirty="0"/>
-              <a:t>ライセンスを継承</a:t>
+              <a:t>関連フローのライセンス</a:t>
             </a:r>
             <a:endParaRPr kumimoji="1" lang="ja-JP" altLang="en-US" sz="1200" dirty="0"/>
           </a:p>
@@ -5409,7 +5391,7 @@
         </p:nvSpPr>
         <p:spPr>
           <a:xfrm>
-            <a:off x="3270800" y="5381352"/>
+            <a:off x="3286185" y="5796973"/>
             <a:ext cx="1735208" cy="276999"/>
           </a:xfrm>
           <a:prstGeom prst="rect">
@@ -5454,7 +5436,7 @@
         </p:nvSpPr>
         <p:spPr>
           <a:xfrm>
-            <a:off x="3265000" y="5749206"/>
+            <a:off x="3280385" y="5432916"/>
             <a:ext cx="1741008" cy="276999"/>
           </a:xfrm>
           <a:prstGeom prst="rect">
@@ -5544,7 +5526,7 @@
         </p:nvSpPr>
         <p:spPr>
           <a:xfrm>
-            <a:off x="1400160" y="5381352"/>
+            <a:off x="1400160" y="5432916"/>
             <a:ext cx="1741008" cy="646331"/>
           </a:xfrm>
           <a:prstGeom prst="rect">
@@ -5636,7 +5618,7 @@
         </p:nvSpPr>
         <p:spPr>
           <a:xfrm>
-            <a:off x="7008326" y="5403110"/>
+            <a:off x="7021984" y="5796973"/>
             <a:ext cx="2350615" cy="276999"/>
           </a:xfrm>
           <a:prstGeom prst="rect">
@@ -5681,7 +5663,7 @@
         </p:nvSpPr>
         <p:spPr>
           <a:xfrm>
-            <a:off x="9476544" y="5403110"/>
+            <a:off x="9501116" y="5796973"/>
             <a:ext cx="2350615" cy="276999"/>
           </a:xfrm>
           <a:prstGeom prst="rect">
@@ -5702,7 +5684,7 @@
           <a:p>
             <a:r>
               <a:rPr lang="ja-JP" altLang="en-US" sz="1200" dirty="0"/>
-              <a:t>呼び出し先のライセンスを継承</a:t>
+              <a:t>関連フローのライセンス</a:t>
             </a:r>
             <a:endParaRPr kumimoji="1" lang="ja-JP" altLang="en-US" sz="1200" dirty="0"/>
           </a:p>
@@ -5722,7 +5704,7 @@
         </p:nvSpPr>
         <p:spPr>
           <a:xfrm>
-            <a:off x="7008327" y="5749207"/>
+            <a:off x="7008326" y="5435094"/>
             <a:ext cx="4818830" cy="276999"/>
           </a:xfrm>
           <a:prstGeom prst="rect">
